--- a/Article/Google Disease Trends.pptx
+++ b/Article/Google Disease Trends.pptx
@@ -4,11 +4,19 @@
   <p:sldMasterIdLst>
     <p:sldMasterId id="2147483725" r:id="rId1"/>
   </p:sldMasterIdLst>
+  <p:notesMasterIdLst>
+    <p:notesMasterId r:id="rId11"/>
+  </p:notesMasterIdLst>
   <p:sldIdLst>
     <p:sldId id="256" r:id="rId2"/>
     <p:sldId id="257" r:id="rId3"/>
     <p:sldId id="259" r:id="rId4"/>
-    <p:sldId id="258" r:id="rId5"/>
+    <p:sldId id="260" r:id="rId5"/>
+    <p:sldId id="262" r:id="rId6"/>
+    <p:sldId id="261" r:id="rId7"/>
+    <p:sldId id="263" r:id="rId8"/>
+    <p:sldId id="258" r:id="rId9"/>
+    <p:sldId id="264" r:id="rId10"/>
   </p:sldIdLst>
   <p:sldSz cx="12192000" cy="6858000"/>
   <p:notesSz cx="6858000" cy="9144000"/>
@@ -110,6 +118,475 @@
 </p:presentation>
 </file>
 
+<file path=ppt/notesMasters/notesMaster1.xml><?xml version="1.0" encoding="utf-8"?>
+<p:notesMaster xmlns:a="http://schemas.openxmlformats.org/drawingml/2006/main" xmlns:r="http://schemas.openxmlformats.org/officeDocument/2006/relationships" xmlns:p="http://schemas.openxmlformats.org/presentationml/2006/main">
+  <p:cSld>
+    <p:bg>
+      <p:bgRef idx="1001">
+        <a:schemeClr val="bg1"/>
+      </p:bgRef>
+    </p:bg>
+    <p:spTree>
+      <p:nvGrpSpPr>
+        <p:cNvPr id="1" name=""/>
+        <p:cNvGrpSpPr/>
+        <p:nvPr/>
+      </p:nvGrpSpPr>
+      <p:grpSpPr>
+        <a:xfrm>
+          <a:off x="0" y="0"/>
+          <a:ext cx="0" cy="0"/>
+          <a:chOff x="0" y="0"/>
+          <a:chExt cx="0" cy="0"/>
+        </a:xfrm>
+      </p:grpSpPr>
+      <p:sp>
+        <p:nvSpPr>
+          <p:cNvPr id="2" name="Header Placeholder 1"/>
+          <p:cNvSpPr>
+            <a:spLocks noGrp="1"/>
+          </p:cNvSpPr>
+          <p:nvPr>
+            <p:ph type="hdr" sz="quarter"/>
+          </p:nvPr>
+        </p:nvSpPr>
+        <p:spPr>
+          <a:xfrm>
+            <a:off x="0" y="0"/>
+            <a:ext cx="2971800" cy="457200"/>
+          </a:xfrm>
+          <a:prstGeom prst="rect">
+            <a:avLst/>
+          </a:prstGeom>
+        </p:spPr>
+        <p:txBody>
+          <a:bodyPr vert="horz" lIns="91440" tIns="45720" rIns="91440" bIns="45720" rtlCol="0"/>
+          <a:lstStyle>
+            <a:lvl1pPr algn="l">
+              <a:defRPr sz="1200"/>
+            </a:lvl1pPr>
+          </a:lstStyle>
+          <a:p>
+            <a:endParaRPr lang="en-US"/>
+          </a:p>
+        </p:txBody>
+      </p:sp>
+      <p:sp>
+        <p:nvSpPr>
+          <p:cNvPr id="3" name="Date Placeholder 2"/>
+          <p:cNvSpPr>
+            <a:spLocks noGrp="1"/>
+          </p:cNvSpPr>
+          <p:nvPr>
+            <p:ph type="dt" idx="1"/>
+          </p:nvPr>
+        </p:nvSpPr>
+        <p:spPr>
+          <a:xfrm>
+            <a:off x="3884613" y="0"/>
+            <a:ext cx="2971800" cy="457200"/>
+          </a:xfrm>
+          <a:prstGeom prst="rect">
+            <a:avLst/>
+          </a:prstGeom>
+        </p:spPr>
+        <p:txBody>
+          <a:bodyPr vert="horz" lIns="91440" tIns="45720" rIns="91440" bIns="45720" rtlCol="0"/>
+          <a:lstStyle>
+            <a:lvl1pPr algn="r">
+              <a:defRPr sz="1200"/>
+            </a:lvl1pPr>
+          </a:lstStyle>
+          <a:p>
+            <a:fld id="{68AB4E1C-804C-463D-90D8-E12D92B55F5A}" type="datetimeFigureOut">
+              <a:rPr lang="en-US" smtClean="0"/>
+              <a:t>2/24/2016</a:t>
+            </a:fld>
+            <a:endParaRPr lang="en-US"/>
+          </a:p>
+        </p:txBody>
+      </p:sp>
+      <p:sp>
+        <p:nvSpPr>
+          <p:cNvPr id="4" name="Slide Image Placeholder 3"/>
+          <p:cNvSpPr>
+            <a:spLocks noGrp="1" noRot="1" noChangeAspect="1"/>
+          </p:cNvSpPr>
+          <p:nvPr>
+            <p:ph type="sldImg" idx="2"/>
+          </p:nvPr>
+        </p:nvSpPr>
+        <p:spPr>
+          <a:xfrm>
+            <a:off x="381000" y="685800"/>
+            <a:ext cx="6096000" cy="3429000"/>
+          </a:xfrm>
+          <a:prstGeom prst="rect">
+            <a:avLst/>
+          </a:prstGeom>
+          <a:noFill/>
+          <a:ln w="12700">
+            <a:solidFill>
+              <a:prstClr val="black"/>
+            </a:solidFill>
+          </a:ln>
+        </p:spPr>
+        <p:txBody>
+          <a:bodyPr vert="horz" lIns="91440" tIns="45720" rIns="91440" bIns="45720" rtlCol="0" anchor="ctr"/>
+          <a:lstStyle/>
+          <a:p>
+            <a:endParaRPr lang="en-US"/>
+          </a:p>
+        </p:txBody>
+      </p:sp>
+      <p:sp>
+        <p:nvSpPr>
+          <p:cNvPr id="5" name="Notes Placeholder 4"/>
+          <p:cNvSpPr>
+            <a:spLocks noGrp="1"/>
+          </p:cNvSpPr>
+          <p:nvPr>
+            <p:ph type="body" sz="quarter" idx="3"/>
+          </p:nvPr>
+        </p:nvSpPr>
+        <p:spPr>
+          <a:xfrm>
+            <a:off x="685800" y="4343400"/>
+            <a:ext cx="5486400" cy="4114800"/>
+          </a:xfrm>
+          <a:prstGeom prst="rect">
+            <a:avLst/>
+          </a:prstGeom>
+        </p:spPr>
+        <p:txBody>
+          <a:bodyPr vert="horz" lIns="91440" tIns="45720" rIns="91440" bIns="45720" rtlCol="0"/>
+          <a:lstStyle/>
+          <a:p>
+            <a:pPr lvl="0"/>
+            <a:r>
+              <a:rPr lang="en-US" smtClean="0"/>
+              <a:t>Click to edit Master text styles</a:t>
+            </a:r>
+          </a:p>
+          <a:p>
+            <a:pPr lvl="1"/>
+            <a:r>
+              <a:rPr lang="en-US" smtClean="0"/>
+              <a:t>Second level</a:t>
+            </a:r>
+          </a:p>
+          <a:p>
+            <a:pPr lvl="2"/>
+            <a:r>
+              <a:rPr lang="en-US" smtClean="0"/>
+              <a:t>Third level</a:t>
+            </a:r>
+          </a:p>
+          <a:p>
+            <a:pPr lvl="3"/>
+            <a:r>
+              <a:rPr lang="en-US" smtClean="0"/>
+              <a:t>Fourth level</a:t>
+            </a:r>
+          </a:p>
+          <a:p>
+            <a:pPr lvl="4"/>
+            <a:r>
+              <a:rPr lang="en-US" smtClean="0"/>
+              <a:t>Fifth level</a:t>
+            </a:r>
+            <a:endParaRPr lang="en-US"/>
+          </a:p>
+        </p:txBody>
+      </p:sp>
+      <p:sp>
+        <p:nvSpPr>
+          <p:cNvPr id="6" name="Footer Placeholder 5"/>
+          <p:cNvSpPr>
+            <a:spLocks noGrp="1"/>
+          </p:cNvSpPr>
+          <p:nvPr>
+            <p:ph type="ftr" sz="quarter" idx="4"/>
+          </p:nvPr>
+        </p:nvSpPr>
+        <p:spPr>
+          <a:xfrm>
+            <a:off x="0" y="8685213"/>
+            <a:ext cx="2971800" cy="457200"/>
+          </a:xfrm>
+          <a:prstGeom prst="rect">
+            <a:avLst/>
+          </a:prstGeom>
+        </p:spPr>
+        <p:txBody>
+          <a:bodyPr vert="horz" lIns="91440" tIns="45720" rIns="91440" bIns="45720" rtlCol="0" anchor="b"/>
+          <a:lstStyle>
+            <a:lvl1pPr algn="l">
+              <a:defRPr sz="1200"/>
+            </a:lvl1pPr>
+          </a:lstStyle>
+          <a:p>
+            <a:endParaRPr lang="en-US"/>
+          </a:p>
+        </p:txBody>
+      </p:sp>
+      <p:sp>
+        <p:nvSpPr>
+          <p:cNvPr id="7" name="Slide Number Placeholder 6"/>
+          <p:cNvSpPr>
+            <a:spLocks noGrp="1"/>
+          </p:cNvSpPr>
+          <p:nvPr>
+            <p:ph type="sldNum" sz="quarter" idx="5"/>
+          </p:nvPr>
+        </p:nvSpPr>
+        <p:spPr>
+          <a:xfrm>
+            <a:off x="3884613" y="8685213"/>
+            <a:ext cx="2971800" cy="457200"/>
+          </a:xfrm>
+          <a:prstGeom prst="rect">
+            <a:avLst/>
+          </a:prstGeom>
+        </p:spPr>
+        <p:txBody>
+          <a:bodyPr vert="horz" lIns="91440" tIns="45720" rIns="91440" bIns="45720" rtlCol="0" anchor="b"/>
+          <a:lstStyle>
+            <a:lvl1pPr algn="r">
+              <a:defRPr sz="1200"/>
+            </a:lvl1pPr>
+          </a:lstStyle>
+          <a:p>
+            <a:fld id="{379AA848-7A20-465D-A319-012F3EE62EEB}" type="slidenum">
+              <a:rPr lang="en-US" smtClean="0"/>
+              <a:t>‹#›</a:t>
+            </a:fld>
+            <a:endParaRPr lang="en-US"/>
+          </a:p>
+        </p:txBody>
+      </p:sp>
+    </p:spTree>
+    <p:extLst>
+      <p:ext uri="{BB962C8B-B14F-4D97-AF65-F5344CB8AC3E}">
+        <p14:creationId xmlns:p14="http://schemas.microsoft.com/office/powerpoint/2010/main" val="599763950"/>
+      </p:ext>
+    </p:extLst>
+  </p:cSld>
+  <p:clrMap bg1="lt1" tx1="dk1" bg2="lt2" tx2="dk2" accent1="accent1" accent2="accent2" accent3="accent3" accent4="accent4" accent5="accent5" accent6="accent6" hlink="hlink" folHlink="folHlink"/>
+  <p:notesStyle>
+    <a:lvl1pPr marL="0" algn="l" defTabSz="914400" rtl="0" eaLnBrk="1" latinLnBrk="0" hangingPunct="1">
+      <a:defRPr sz="1200" kern="1200">
+        <a:solidFill>
+          <a:schemeClr val="tx1"/>
+        </a:solidFill>
+        <a:latin typeface="+mn-lt"/>
+        <a:ea typeface="+mn-ea"/>
+        <a:cs typeface="+mn-cs"/>
+      </a:defRPr>
+    </a:lvl1pPr>
+    <a:lvl2pPr marL="457200" algn="l" defTabSz="914400" rtl="0" eaLnBrk="1" latinLnBrk="0" hangingPunct="1">
+      <a:defRPr sz="1200" kern="1200">
+        <a:solidFill>
+          <a:schemeClr val="tx1"/>
+        </a:solidFill>
+        <a:latin typeface="+mn-lt"/>
+        <a:ea typeface="+mn-ea"/>
+        <a:cs typeface="+mn-cs"/>
+      </a:defRPr>
+    </a:lvl2pPr>
+    <a:lvl3pPr marL="914400" algn="l" defTabSz="914400" rtl="0" eaLnBrk="1" latinLnBrk="0" hangingPunct="1">
+      <a:defRPr sz="1200" kern="1200">
+        <a:solidFill>
+          <a:schemeClr val="tx1"/>
+        </a:solidFill>
+        <a:latin typeface="+mn-lt"/>
+        <a:ea typeface="+mn-ea"/>
+        <a:cs typeface="+mn-cs"/>
+      </a:defRPr>
+    </a:lvl3pPr>
+    <a:lvl4pPr marL="1371600" algn="l" defTabSz="914400" rtl="0" eaLnBrk="1" latinLnBrk="0" hangingPunct="1">
+      <a:defRPr sz="1200" kern="1200">
+        <a:solidFill>
+          <a:schemeClr val="tx1"/>
+        </a:solidFill>
+        <a:latin typeface="+mn-lt"/>
+        <a:ea typeface="+mn-ea"/>
+        <a:cs typeface="+mn-cs"/>
+      </a:defRPr>
+    </a:lvl4pPr>
+    <a:lvl5pPr marL="1828800" algn="l" defTabSz="914400" rtl="0" eaLnBrk="1" latinLnBrk="0" hangingPunct="1">
+      <a:defRPr sz="1200" kern="1200">
+        <a:solidFill>
+          <a:schemeClr val="tx1"/>
+        </a:solidFill>
+        <a:latin typeface="+mn-lt"/>
+        <a:ea typeface="+mn-ea"/>
+        <a:cs typeface="+mn-cs"/>
+      </a:defRPr>
+    </a:lvl5pPr>
+    <a:lvl6pPr marL="2286000" algn="l" defTabSz="914400" rtl="0" eaLnBrk="1" latinLnBrk="0" hangingPunct="1">
+      <a:defRPr sz="1200" kern="1200">
+        <a:solidFill>
+          <a:schemeClr val="tx1"/>
+        </a:solidFill>
+        <a:latin typeface="+mn-lt"/>
+        <a:ea typeface="+mn-ea"/>
+        <a:cs typeface="+mn-cs"/>
+      </a:defRPr>
+    </a:lvl6pPr>
+    <a:lvl7pPr marL="2743200" algn="l" defTabSz="914400" rtl="0" eaLnBrk="1" latinLnBrk="0" hangingPunct="1">
+      <a:defRPr sz="1200" kern="1200">
+        <a:solidFill>
+          <a:schemeClr val="tx1"/>
+        </a:solidFill>
+        <a:latin typeface="+mn-lt"/>
+        <a:ea typeface="+mn-ea"/>
+        <a:cs typeface="+mn-cs"/>
+      </a:defRPr>
+    </a:lvl7pPr>
+    <a:lvl8pPr marL="3200400" algn="l" defTabSz="914400" rtl="0" eaLnBrk="1" latinLnBrk="0" hangingPunct="1">
+      <a:defRPr sz="1200" kern="1200">
+        <a:solidFill>
+          <a:schemeClr val="tx1"/>
+        </a:solidFill>
+        <a:latin typeface="+mn-lt"/>
+        <a:ea typeface="+mn-ea"/>
+        <a:cs typeface="+mn-cs"/>
+      </a:defRPr>
+    </a:lvl8pPr>
+    <a:lvl9pPr marL="3657600" algn="l" defTabSz="914400" rtl="0" eaLnBrk="1" latinLnBrk="0" hangingPunct="1">
+      <a:defRPr sz="1200" kern="1200">
+        <a:solidFill>
+          <a:schemeClr val="tx1"/>
+        </a:solidFill>
+        <a:latin typeface="+mn-lt"/>
+        <a:ea typeface="+mn-ea"/>
+        <a:cs typeface="+mn-cs"/>
+      </a:defRPr>
+    </a:lvl9pPr>
+  </p:notesStyle>
+</p:notesMaster>
+</file>
+
+<file path=ppt/notesSlides/notesSlide1.xml><?xml version="1.0" encoding="utf-8"?>
+<p:notes xmlns:a="http://schemas.openxmlformats.org/drawingml/2006/main" xmlns:r="http://schemas.openxmlformats.org/officeDocument/2006/relationships" xmlns:p="http://schemas.openxmlformats.org/presentationml/2006/main">
+  <p:cSld>
+    <p:spTree>
+      <p:nvGrpSpPr>
+        <p:cNvPr id="1" name=""/>
+        <p:cNvGrpSpPr/>
+        <p:nvPr/>
+      </p:nvGrpSpPr>
+      <p:grpSpPr>
+        <a:xfrm>
+          <a:off x="0" y="0"/>
+          <a:ext cx="0" cy="0"/>
+          <a:chOff x="0" y="0"/>
+          <a:chExt cx="0" cy="0"/>
+        </a:xfrm>
+      </p:grpSpPr>
+      <p:sp>
+        <p:nvSpPr>
+          <p:cNvPr id="2" name="Slide Image Placeholder 1"/>
+          <p:cNvSpPr>
+            <a:spLocks noGrp="1" noRot="1" noChangeAspect="1"/>
+          </p:cNvSpPr>
+          <p:nvPr>
+            <p:ph type="sldImg"/>
+          </p:nvPr>
+        </p:nvSpPr>
+        <p:spPr/>
+      </p:sp>
+      <p:sp>
+        <p:nvSpPr>
+          <p:cNvPr id="3" name="Notes Placeholder 2"/>
+          <p:cNvSpPr>
+            <a:spLocks noGrp="1"/>
+          </p:cNvSpPr>
+          <p:nvPr>
+            <p:ph type="body" idx="1"/>
+          </p:nvPr>
+        </p:nvSpPr>
+        <p:spPr/>
+        <p:txBody>
+          <a:bodyPr/>
+          <a:lstStyle/>
+          <a:p>
+            <a:r>
+              <a:rPr lang="en-US" dirty="0" smtClean="0"/>
+              <a:t>Why were this season’s predictions</a:t>
+            </a:r>
+            <a:r>
+              <a:rPr lang="en-US" baseline="0" dirty="0" smtClean="0"/>
+              <a:t> so high?  </a:t>
+            </a:r>
+          </a:p>
+          <a:p>
+            <a:endParaRPr lang="en-US" baseline="0" dirty="0" smtClean="0"/>
+          </a:p>
+          <a:p>
+            <a:r>
+              <a:rPr lang="en-US" baseline="0" dirty="0" smtClean="0"/>
+              <a:t>Is model too simple?</a:t>
+            </a:r>
+          </a:p>
+          <a:p>
+            <a:endParaRPr lang="en-US" baseline="0" dirty="0" smtClean="0"/>
+          </a:p>
+          <a:p>
+            <a:r>
+              <a:rPr lang="en-US" baseline="0" dirty="0" smtClean="0"/>
+              <a:t>Were there unforeseen side effects from model updates?</a:t>
+            </a:r>
+          </a:p>
+          <a:p>
+            <a:endParaRPr lang="en-US" baseline="0" dirty="0" smtClean="0"/>
+          </a:p>
+          <a:p>
+            <a:r>
+              <a:rPr lang="en-US" baseline="0" dirty="0" smtClean="0"/>
+              <a:t>Is there something that the CDC is not capturing?</a:t>
+            </a:r>
+            <a:endParaRPr lang="en-US" dirty="0"/>
+          </a:p>
+        </p:txBody>
+      </p:sp>
+      <p:sp>
+        <p:nvSpPr>
+          <p:cNvPr id="4" name="Slide Number Placeholder 3"/>
+          <p:cNvSpPr>
+            <a:spLocks noGrp="1"/>
+          </p:cNvSpPr>
+          <p:nvPr>
+            <p:ph type="sldNum" sz="quarter" idx="10"/>
+          </p:nvPr>
+        </p:nvSpPr>
+        <p:spPr/>
+        <p:txBody>
+          <a:bodyPr/>
+          <a:lstStyle/>
+          <a:p>
+            <a:fld id="{379AA848-7A20-465D-A319-012F3EE62EEB}" type="slidenum">
+              <a:rPr lang="en-US" smtClean="0"/>
+              <a:t>4</a:t>
+            </a:fld>
+            <a:endParaRPr lang="en-US"/>
+          </a:p>
+        </p:txBody>
+      </p:sp>
+    </p:spTree>
+    <p:extLst>
+      <p:ext uri="{BB962C8B-B14F-4D97-AF65-F5344CB8AC3E}">
+        <p14:creationId xmlns:p14="http://schemas.microsoft.com/office/powerpoint/2010/main" val="2082875433"/>
+      </p:ext>
+    </p:extLst>
+  </p:cSld>
+  <p:clrMapOvr>
+    <a:masterClrMapping/>
+  </p:clrMapOvr>
+</p:notes>
+</file>
+
 <file path=ppt/slideLayouts/slideLayout1.xml><?xml version="1.0" encoding="utf-8"?>
 <p:sldLayout xmlns:a="http://schemas.openxmlformats.org/drawingml/2006/main" xmlns:r="http://schemas.openxmlformats.org/officeDocument/2006/relationships" xmlns:p="http://schemas.openxmlformats.org/presentationml/2006/main" type="title" preserve="1">
   <p:cSld name="Title Slide">
@@ -296,7 +773,7 @@
           <a:p>
             <a:fld id="{B2C8D8C6-32A1-4BAE-BA07-FB9B53739353}" type="datetimeFigureOut">
               <a:rPr lang="en-US" smtClean="0"/>
-              <a:t>2/22/2016</a:t>
+              <a:t>2/24/2016</a:t>
             </a:fld>
             <a:endParaRPr lang="en-US"/>
           </a:p>
@@ -571,7 +1048,7 @@
           <a:p>
             <a:fld id="{B2C8D8C6-32A1-4BAE-BA07-FB9B53739353}" type="datetimeFigureOut">
               <a:rPr lang="en-US" smtClean="0"/>
-              <a:t>2/22/2016</a:t>
+              <a:t>2/24/2016</a:t>
             </a:fld>
             <a:endParaRPr lang="en-US"/>
           </a:p>
@@ -765,7 +1242,7 @@
           <a:p>
             <a:fld id="{B2C8D8C6-32A1-4BAE-BA07-FB9B53739353}" type="datetimeFigureOut">
               <a:rPr lang="en-US" smtClean="0"/>
-              <a:t>2/22/2016</a:t>
+              <a:t>2/24/2016</a:t>
             </a:fld>
             <a:endParaRPr lang="en-US"/>
           </a:p>
@@ -1038,7 +1515,7 @@
           <a:p>
             <a:fld id="{B2C8D8C6-32A1-4BAE-BA07-FB9B53739353}" type="datetimeFigureOut">
               <a:rPr lang="en-US" smtClean="0"/>
-              <a:t>2/22/2016</a:t>
+              <a:t>2/24/2016</a:t>
             </a:fld>
             <a:endParaRPr lang="en-US"/>
           </a:p>
@@ -1379,7 +1856,7 @@
           <a:p>
             <a:fld id="{B2C8D8C6-32A1-4BAE-BA07-FB9B53739353}" type="datetimeFigureOut">
               <a:rPr lang="en-US" smtClean="0"/>
-              <a:t>2/22/2016</a:t>
+              <a:t>2/24/2016</a:t>
             </a:fld>
             <a:endParaRPr lang="en-US"/>
           </a:p>
@@ -2002,7 +2479,7 @@
           <a:p>
             <a:fld id="{B2C8D8C6-32A1-4BAE-BA07-FB9B53739353}" type="datetimeFigureOut">
               <a:rPr lang="en-US" smtClean="0"/>
-              <a:t>2/22/2016</a:t>
+              <a:t>2/24/2016</a:t>
             </a:fld>
             <a:endParaRPr lang="en-US"/>
           </a:p>
@@ -2862,7 +3339,7 @@
           <a:p>
             <a:fld id="{B2C8D8C6-32A1-4BAE-BA07-FB9B53739353}" type="datetimeFigureOut">
               <a:rPr lang="en-US" smtClean="0"/>
-              <a:t>2/22/2016</a:t>
+              <a:t>2/24/2016</a:t>
             </a:fld>
             <a:endParaRPr lang="en-US"/>
           </a:p>
@@ -3032,7 +3509,7 @@
           <a:p>
             <a:fld id="{B2C8D8C6-32A1-4BAE-BA07-FB9B53739353}" type="datetimeFigureOut">
               <a:rPr lang="en-US" smtClean="0"/>
-              <a:t>2/22/2016</a:t>
+              <a:t>2/24/2016</a:t>
             </a:fld>
             <a:endParaRPr lang="en-US"/>
           </a:p>
@@ -3212,7 +3689,7 @@
           <a:p>
             <a:fld id="{B2C8D8C6-32A1-4BAE-BA07-FB9B53739353}" type="datetimeFigureOut">
               <a:rPr lang="en-US" smtClean="0"/>
-              <a:t>2/22/2016</a:t>
+              <a:t>2/24/2016</a:t>
             </a:fld>
             <a:endParaRPr lang="en-US"/>
           </a:p>
@@ -3382,7 +3859,7 @@
           <a:p>
             <a:fld id="{B2C8D8C6-32A1-4BAE-BA07-FB9B53739353}" type="datetimeFigureOut">
               <a:rPr lang="en-US" smtClean="0"/>
-              <a:t>2/22/2016</a:t>
+              <a:t>2/24/2016</a:t>
             </a:fld>
             <a:endParaRPr lang="en-US"/>
           </a:p>
@@ -3629,7 +4106,7 @@
           <a:p>
             <a:fld id="{B2C8D8C6-32A1-4BAE-BA07-FB9B53739353}" type="datetimeFigureOut">
               <a:rPr lang="en-US" smtClean="0"/>
-              <a:t>2/22/2016</a:t>
+              <a:t>2/24/2016</a:t>
             </a:fld>
             <a:endParaRPr lang="en-US"/>
           </a:p>
@@ -3921,7 +4398,7 @@
           <a:p>
             <a:fld id="{B2C8D8C6-32A1-4BAE-BA07-FB9B53739353}" type="datetimeFigureOut">
               <a:rPr lang="en-US" smtClean="0"/>
-              <a:t>2/22/2016</a:t>
+              <a:t>2/24/2016</a:t>
             </a:fld>
             <a:endParaRPr lang="en-US"/>
           </a:p>
@@ -4365,7 +4842,7 @@
           <a:p>
             <a:fld id="{B2C8D8C6-32A1-4BAE-BA07-FB9B53739353}" type="datetimeFigureOut">
               <a:rPr lang="en-US" smtClean="0"/>
-              <a:t>2/22/2016</a:t>
+              <a:t>2/24/2016</a:t>
             </a:fld>
             <a:endParaRPr lang="en-US"/>
           </a:p>
@@ -4483,7 +4960,7 @@
           <a:p>
             <a:fld id="{B2C8D8C6-32A1-4BAE-BA07-FB9B53739353}" type="datetimeFigureOut">
               <a:rPr lang="en-US" smtClean="0"/>
-              <a:t>2/22/2016</a:t>
+              <a:t>2/24/2016</a:t>
             </a:fld>
             <a:endParaRPr lang="en-US"/>
           </a:p>
@@ -4578,7 +5055,7 @@
           <a:p>
             <a:fld id="{B2C8D8C6-32A1-4BAE-BA07-FB9B53739353}" type="datetimeFigureOut">
               <a:rPr lang="en-US" smtClean="0"/>
-              <a:t>2/22/2016</a:t>
+              <a:t>2/24/2016</a:t>
             </a:fld>
             <a:endParaRPr lang="en-US"/>
           </a:p>
@@ -4857,7 +5334,7 @@
           <a:p>
             <a:fld id="{B2C8D8C6-32A1-4BAE-BA07-FB9B53739353}" type="datetimeFigureOut">
               <a:rPr lang="en-US" smtClean="0"/>
-              <a:t>2/22/2016</a:t>
+              <a:t>2/24/2016</a:t>
             </a:fld>
             <a:endParaRPr lang="en-US"/>
           </a:p>
@@ -5132,7 +5609,7 @@
           <a:p>
             <a:fld id="{B2C8D8C6-32A1-4BAE-BA07-FB9B53739353}" type="datetimeFigureOut">
               <a:rPr lang="en-US" smtClean="0"/>
-              <a:t>2/22/2016</a:t>
+              <a:t>2/24/2016</a:t>
             </a:fld>
             <a:endParaRPr lang="en-US"/>
           </a:p>
@@ -5561,7 +6038,7 @@
           <a:p>
             <a:fld id="{B2C8D8C6-32A1-4BAE-BA07-FB9B53739353}" type="datetimeFigureOut">
               <a:rPr lang="en-US" smtClean="0"/>
-              <a:t>2/22/2016</a:t>
+              <a:t>2/24/2016</a:t>
             </a:fld>
             <a:endParaRPr lang="en-US"/>
           </a:p>
@@ -6124,14 +6601,16 @@
         </p:nvSpPr>
         <p:spPr/>
         <p:txBody>
-          <a:bodyPr/>
+          <a:bodyPr>
+            <a:normAutofit/>
+          </a:bodyPr>
           <a:lstStyle/>
           <a:p>
             <a:r>
-              <a:rPr lang="en-US" dirty="0" smtClean="0"/>
+              <a:rPr lang="en-US" sz="2800" dirty="0" smtClean="0"/>
               <a:t>Kevin Kuo</a:t>
             </a:r>
-            <a:endParaRPr lang="en-US" dirty="0"/>
+            <a:endParaRPr lang="en-US" sz="2800" dirty="0"/>
           </a:p>
         </p:txBody>
       </p:sp>
@@ -6200,52 +6679,54 @@
         </p:nvSpPr>
         <p:spPr/>
         <p:txBody>
-          <a:bodyPr/>
+          <a:bodyPr>
+            <a:normAutofit/>
+          </a:bodyPr>
           <a:lstStyle/>
           <a:p>
             <a:r>
-              <a:rPr lang="en-US" dirty="0"/>
+              <a:rPr lang="en-US" sz="2400" dirty="0"/>
               <a:t>Authors</a:t>
             </a:r>
             <a:r>
-              <a:rPr lang="en-US" dirty="0" smtClean="0"/>
+              <a:rPr lang="en-US" sz="2400" dirty="0" smtClean="0"/>
               <a:t>: Patrick </a:t>
             </a:r>
             <a:r>
-              <a:rPr lang="en-US" dirty="0"/>
+              <a:rPr lang="en-US" sz="2400" dirty="0"/>
               <a:t>Copeland, Raquel Romano, Tom Zhang, Greg Hecht, Dan </a:t>
             </a:r>
             <a:r>
-              <a:rPr lang="en-US" dirty="0" err="1"/>
+              <a:rPr lang="en-US" sz="2400" dirty="0" err="1"/>
               <a:t>Zigmond</a:t>
             </a:r>
             <a:r>
-              <a:rPr lang="en-US" dirty="0"/>
+              <a:rPr lang="en-US" sz="2400" dirty="0"/>
               <a:t>, Christian </a:t>
             </a:r>
             <a:r>
-              <a:rPr lang="en-US" dirty="0" err="1" smtClean="0"/>
+              <a:rPr lang="en-US" sz="2400" dirty="0" err="1" smtClean="0"/>
               <a:t>Stefansen</a:t>
             </a:r>
-            <a:endParaRPr lang="en-US" dirty="0" smtClean="0"/>
+            <a:endParaRPr lang="en-US" sz="2400" dirty="0" smtClean="0"/>
           </a:p>
           <a:p>
             <a:pPr marL="0" indent="0">
               <a:buNone/>
             </a:pPr>
-            <a:endParaRPr lang="en-US" dirty="0" smtClean="0"/>
-          </a:p>
-          <a:p>
-            <a:r>
-              <a:rPr lang="en-US" dirty="0" smtClean="0"/>
+            <a:endParaRPr lang="en-US" sz="2400" dirty="0" smtClean="0"/>
+          </a:p>
+          <a:p>
+            <a:r>
+              <a:rPr lang="en-US" sz="2400" dirty="0" smtClean="0"/>
               <a:t>Title: </a:t>
             </a:r>
             <a:r>
-              <a:rPr lang="en-US" dirty="0"/>
+              <a:rPr lang="en-US" sz="2400" dirty="0"/>
               <a:t>GOOGLE DISEASE TRENDS</a:t>
             </a:r>
             <a:r>
-              <a:rPr lang="en-US" dirty="0" smtClean="0"/>
+              <a:rPr lang="en-US" sz="2400" dirty="0" smtClean="0"/>
               <a:t>: AN UPDATE</a:t>
             </a:r>
           </a:p>
@@ -6253,21 +6734,21 @@
             <a:pPr marL="0" indent="0">
               <a:buNone/>
             </a:pPr>
-            <a:endParaRPr lang="en-US" dirty="0" smtClean="0"/>
-          </a:p>
-          <a:p>
-            <a:r>
-              <a:rPr lang="en-US" dirty="0" smtClean="0"/>
+            <a:endParaRPr lang="en-US" sz="2400" dirty="0" smtClean="0"/>
+          </a:p>
+          <a:p>
+            <a:r>
+              <a:rPr lang="en-US" sz="2400" dirty="0" smtClean="0"/>
               <a:t>Publication</a:t>
             </a:r>
             <a:r>
-              <a:rPr lang="en-US" dirty="0"/>
+              <a:rPr lang="en-US" sz="2400" dirty="0"/>
               <a:t>: International Society of Neglected Tropical Diseases 2013</a:t>
             </a:r>
-            <a:endParaRPr lang="en-US" dirty="0" smtClean="0"/>
-          </a:p>
-          <a:p>
-            <a:endParaRPr lang="en-US" dirty="0"/>
+            <a:endParaRPr lang="en-US" sz="2400" dirty="0" smtClean="0"/>
+          </a:p>
+          <a:p>
+            <a:endParaRPr lang="en-US" sz="2400" dirty="0"/>
           </a:p>
         </p:txBody>
       </p:sp>
@@ -6318,7 +6799,7 @@
           <a:p>
             <a:r>
               <a:rPr lang="en-US" dirty="0" smtClean="0"/>
-              <a:t>Background/Abstract</a:t>
+              <a:t>Background</a:t>
             </a:r>
             <a:endParaRPr lang="en-US" dirty="0"/>
           </a:p>
@@ -6337,69 +6818,109 @@
         <p:spPr>
           <a:xfrm>
             <a:off x="927699" y="1610857"/>
-            <a:ext cx="8946541" cy="4195481"/>
+            <a:ext cx="8946541" cy="4659314"/>
           </a:xfrm>
         </p:spPr>
         <p:txBody>
-          <a:bodyPr/>
+          <a:bodyPr>
+            <a:normAutofit fontScale="85000" lnSpcReduction="10000"/>
+          </a:bodyPr>
           <a:lstStyle/>
           <a:p>
             <a:r>
-              <a:rPr lang="en-US" dirty="0" smtClean="0"/>
+              <a:rPr lang="en-US" sz="2400" dirty="0" smtClean="0"/>
               <a:t>Purpose: </a:t>
             </a:r>
           </a:p>
           <a:p>
             <a:pPr lvl="1"/>
             <a:r>
-              <a:rPr lang="en-US" dirty="0" smtClean="0"/>
-              <a:t>To use search keywords to produce a daily estimate of the occurrence of flu like illness two weeks prior to CDC survey data</a:t>
-            </a:r>
-            <a:br>
-              <a:rPr lang="en-US" dirty="0" smtClean="0"/>
-            </a:br>
-            <a:endParaRPr lang="en-US" dirty="0" smtClean="0"/>
-          </a:p>
-          <a:p>
-            <a:r>
-              <a:rPr lang="en-US" dirty="0" smtClean="0"/>
-              <a:t>Research Problem:</a:t>
-            </a:r>
+              <a:rPr lang="en-US" sz="2400" dirty="0" smtClean="0"/>
+              <a:t>To use search keywords to produce a daily estimate of the occurrence of flu like illness two weeks prior to CDC survey </a:t>
+            </a:r>
+            <a:r>
+              <a:rPr lang="en-US" sz="2400" dirty="0" smtClean="0"/>
+              <a:t>data</a:t>
+            </a:r>
+          </a:p>
+          <a:p>
+            <a:pPr lvl="2"/>
+            <a:r>
+              <a:rPr lang="en-US" sz="2200" dirty="0" smtClean="0"/>
+              <a:t>Keywords such as “flu symptoms” that have a high historical correlation with doctor visits for flu like illnesses</a:t>
+            </a:r>
+            <a:endParaRPr lang="en-US" sz="2200" dirty="0" smtClean="0"/>
+          </a:p>
+          <a:p>
+            <a:pPr marL="457200" lvl="1" indent="0">
+              <a:buNone/>
+            </a:pPr>
+            <a:endParaRPr lang="en-US" sz="2400" dirty="0" smtClean="0"/>
           </a:p>
           <a:p>
             <a:pPr lvl="1"/>
             <a:r>
-              <a:rPr lang="en-US" dirty="0" smtClean="0"/>
-              <a:t>Determined current algorithm susceptible to media bias</a:t>
-            </a:r>
-            <a:endParaRPr lang="en-US" dirty="0"/>
-          </a:p>
-        </p:txBody>
-      </p:sp>
-      <p:pic>
-        <p:nvPicPr>
-          <p:cNvPr id="4" name="Picture 3"/>
-          <p:cNvPicPr>
-            <a:picLocks noChangeAspect="1"/>
-          </p:cNvPicPr>
-          <p:nvPr/>
-        </p:nvPicPr>
-        <p:blipFill>
-          <a:blip r:embed="rId2"/>
-          <a:stretch>
-            <a:fillRect/>
-          </a:stretch>
-        </p:blipFill>
-        <p:spPr>
-          <a:xfrm>
-            <a:off x="2743200" y="4235580"/>
-            <a:ext cx="6687433" cy="2501307"/>
-          </a:xfrm>
-          <a:prstGeom prst="rect">
-            <a:avLst/>
-          </a:prstGeom>
-        </p:spPr>
-      </p:pic>
+              <a:rPr lang="en-US" sz="2400" dirty="0" smtClean="0"/>
+              <a:t>Primary</a:t>
+            </a:r>
+            <a:r>
+              <a:rPr lang="en-US" sz="2400" dirty="0"/>
+              <a:t> </a:t>
+            </a:r>
+            <a:r>
+              <a:rPr lang="en-US" sz="2400" dirty="0" smtClean="0"/>
+              <a:t>– </a:t>
+            </a:r>
+            <a:r>
+              <a:rPr lang="en-US" sz="2400" b="1" dirty="0" smtClean="0"/>
+              <a:t>Start and Peak </a:t>
+            </a:r>
+            <a:r>
+              <a:rPr lang="en-US" sz="2400" dirty="0" smtClean="0"/>
+              <a:t>of Flu season</a:t>
+            </a:r>
+          </a:p>
+          <a:p>
+            <a:pPr marL="457200" lvl="1" indent="0">
+              <a:buNone/>
+            </a:pPr>
+            <a:endParaRPr lang="en-US" sz="2400" dirty="0" smtClean="0"/>
+          </a:p>
+          <a:p>
+            <a:pPr lvl="1"/>
+            <a:r>
+              <a:rPr lang="en-US" sz="2400" dirty="0" smtClean="0"/>
+              <a:t>Secondary – </a:t>
+            </a:r>
+            <a:r>
+              <a:rPr lang="en-US" sz="2400" b="1" dirty="0" smtClean="0"/>
+              <a:t>Magnitude</a:t>
+            </a:r>
+            <a:r>
+              <a:rPr lang="en-US" sz="2400" dirty="0" smtClean="0"/>
+              <a:t> of flu-like visits</a:t>
+            </a:r>
+          </a:p>
+          <a:p>
+            <a:pPr lvl="1"/>
+            <a:endParaRPr lang="en-US" sz="2400" dirty="0"/>
+          </a:p>
+          <a:p>
+            <a:r>
+              <a:rPr lang="en-US" sz="2600" dirty="0" smtClean="0"/>
+              <a:t>Target Audience: health officials</a:t>
+            </a:r>
+          </a:p>
+          <a:p>
+            <a:pPr lvl="1"/>
+            <a:r>
+              <a:rPr lang="en-US" sz="2400" dirty="0" smtClean="0"/>
+              <a:t>How to stock/distribute vaccines, etc.</a:t>
+            </a:r>
+            <a:endParaRPr lang="en-US" sz="2400" dirty="0" smtClean="0"/>
+          </a:p>
+        </p:txBody>
+      </p:sp>
     </p:spTree>
     <p:extLst>
       <p:ext uri="{BB962C8B-B14F-4D97-AF65-F5344CB8AC3E}">
@@ -6447,6 +6968,476 @@
           <a:p>
             <a:r>
               <a:rPr lang="en-US" dirty="0" smtClean="0"/>
+              <a:t>Research Problem</a:t>
+            </a:r>
+            <a:endParaRPr lang="en-US" dirty="0"/>
+          </a:p>
+        </p:txBody>
+      </p:sp>
+      <p:sp>
+        <p:nvSpPr>
+          <p:cNvPr id="3" name="Content Placeholder 2"/>
+          <p:cNvSpPr>
+            <a:spLocks noGrp="1"/>
+          </p:cNvSpPr>
+          <p:nvPr>
+            <p:ph idx="1"/>
+          </p:nvPr>
+        </p:nvSpPr>
+        <p:spPr/>
+        <p:txBody>
+          <a:bodyPr>
+            <a:normAutofit/>
+          </a:bodyPr>
+          <a:lstStyle/>
+          <a:p>
+            <a:pPr marL="342900" lvl="1" indent="-342900"/>
+            <a:r>
+              <a:rPr lang="en-US" sz="2400" dirty="0" smtClean="0"/>
+              <a:t>Algorithm susceptible to heightened media coverage</a:t>
+            </a:r>
+          </a:p>
+          <a:p>
+            <a:pPr marL="742950" lvl="2" indent="-342900"/>
+            <a:r>
+              <a:rPr lang="en-US" sz="2400" b="1" dirty="0" smtClean="0"/>
+              <a:t>Overestimation</a:t>
+            </a:r>
+            <a:br>
+              <a:rPr lang="en-US" sz="2400" b="1" dirty="0" smtClean="0"/>
+            </a:br>
+            <a:r>
+              <a:rPr lang="en-US" sz="2400" b="1" dirty="0" smtClean="0"/>
+              <a:t/>
+            </a:r>
+            <a:br>
+              <a:rPr lang="en-US" sz="2400" b="1" dirty="0" smtClean="0"/>
+            </a:br>
+            <a:endParaRPr lang="en-US" sz="2400" b="1" dirty="0"/>
+          </a:p>
+          <a:p>
+            <a:endParaRPr lang="en-US" sz="2400" dirty="0"/>
+          </a:p>
+        </p:txBody>
+      </p:sp>
+      <p:pic>
+        <p:nvPicPr>
+          <p:cNvPr id="4" name="Picture 3"/>
+          <p:cNvPicPr>
+            <a:picLocks noChangeAspect="1"/>
+          </p:cNvPicPr>
+          <p:nvPr/>
+        </p:nvPicPr>
+        <p:blipFill>
+          <a:blip r:embed="rId3"/>
+          <a:stretch>
+            <a:fillRect/>
+          </a:stretch>
+        </p:blipFill>
+        <p:spPr>
+          <a:xfrm>
+            <a:off x="2007620" y="3359651"/>
+            <a:ext cx="8034784" cy="3005258"/>
+          </a:xfrm>
+          <a:prstGeom prst="rect">
+            <a:avLst/>
+          </a:prstGeom>
+        </p:spPr>
+      </p:pic>
+    </p:spTree>
+    <p:extLst>
+      <p:ext uri="{BB962C8B-B14F-4D97-AF65-F5344CB8AC3E}">
+        <p14:creationId xmlns:p14="http://schemas.microsoft.com/office/powerpoint/2010/main" val="2117577309"/>
+      </p:ext>
+    </p:extLst>
+  </p:cSld>
+  <p:clrMapOvr>
+    <a:masterClrMapping/>
+  </p:clrMapOvr>
+</p:sld>
+</file>
+
+<file path=ppt/slides/slide5.xml><?xml version="1.0" encoding="utf-8"?>
+<p:sld xmlns:a="http://schemas.openxmlformats.org/drawingml/2006/main" xmlns:r="http://schemas.openxmlformats.org/officeDocument/2006/relationships" xmlns:p="http://schemas.openxmlformats.org/presentationml/2006/main">
+  <p:cSld>
+    <p:spTree>
+      <p:nvGrpSpPr>
+        <p:cNvPr id="1" name=""/>
+        <p:cNvGrpSpPr/>
+        <p:nvPr/>
+      </p:nvGrpSpPr>
+      <p:grpSpPr>
+        <a:xfrm>
+          <a:off x="0" y="0"/>
+          <a:ext cx="0" cy="0"/>
+          <a:chOff x="0" y="0"/>
+          <a:chExt cx="0" cy="0"/>
+        </a:xfrm>
+      </p:grpSpPr>
+      <p:sp>
+        <p:nvSpPr>
+          <p:cNvPr id="2" name="Title 1"/>
+          <p:cNvSpPr>
+            <a:spLocks noGrp="1"/>
+          </p:cNvSpPr>
+          <p:nvPr>
+            <p:ph type="title"/>
+          </p:nvPr>
+        </p:nvSpPr>
+        <p:spPr/>
+        <p:txBody>
+          <a:bodyPr/>
+          <a:lstStyle/>
+          <a:p>
+            <a:r>
+              <a:rPr lang="en-US" dirty="0" smtClean="0"/>
+              <a:t>Major Factors</a:t>
+            </a:r>
+            <a:endParaRPr lang="en-US" dirty="0"/>
+          </a:p>
+        </p:txBody>
+      </p:sp>
+      <p:sp>
+        <p:nvSpPr>
+          <p:cNvPr id="3" name="Content Placeholder 2"/>
+          <p:cNvSpPr>
+            <a:spLocks noGrp="1"/>
+          </p:cNvSpPr>
+          <p:nvPr>
+            <p:ph idx="1"/>
+          </p:nvPr>
+        </p:nvSpPr>
+        <p:spPr/>
+        <p:txBody>
+          <a:bodyPr>
+            <a:normAutofit fontScale="92500" lnSpcReduction="20000"/>
+          </a:bodyPr>
+          <a:lstStyle/>
+          <a:p>
+            <a:pPr marL="457200" indent="-457200">
+              <a:buFont typeface="+mj-lt"/>
+              <a:buAutoNum type="arabicPeriod"/>
+            </a:pPr>
+            <a:r>
+              <a:rPr lang="en-US" sz="2800" dirty="0" smtClean="0"/>
+              <a:t>% of physician visits due to flu like symptoms</a:t>
+            </a:r>
+          </a:p>
+          <a:p>
+            <a:pPr marL="457200" indent="-457200">
+              <a:buFont typeface="+mj-lt"/>
+              <a:buAutoNum type="arabicPeriod"/>
+            </a:pPr>
+            <a:endParaRPr lang="en-US" sz="2800" dirty="0" smtClean="0"/>
+          </a:p>
+          <a:p>
+            <a:pPr marL="457200" indent="-457200">
+              <a:buFont typeface="+mj-lt"/>
+              <a:buAutoNum type="arabicPeriod"/>
+            </a:pPr>
+            <a:r>
+              <a:rPr lang="en-US" sz="2800" dirty="0" smtClean="0"/>
+              <a:t>Query fraction – total count of a query term in a given location aggregated weekly and normalized by total count of </a:t>
+            </a:r>
+            <a:r>
+              <a:rPr lang="en-US" sz="2800" b="1" dirty="0" smtClean="0"/>
+              <a:t>all </a:t>
+            </a:r>
+            <a:r>
+              <a:rPr lang="en-US" sz="2800" dirty="0" smtClean="0"/>
+              <a:t>queries</a:t>
+            </a:r>
+          </a:p>
+          <a:p>
+            <a:pPr marL="457200" indent="-457200">
+              <a:buFont typeface="+mj-lt"/>
+              <a:buAutoNum type="arabicPeriod"/>
+            </a:pPr>
+            <a:endParaRPr lang="en-US" sz="2800" b="1" dirty="0" smtClean="0"/>
+          </a:p>
+          <a:p>
+            <a:pPr marL="457200" indent="-457200">
+              <a:buFont typeface="+mj-lt"/>
+              <a:buAutoNum type="arabicPeriod"/>
+            </a:pPr>
+            <a:r>
+              <a:rPr lang="en-US" sz="2800" dirty="0" smtClean="0"/>
+              <a:t>Query terms that provide the highest correlation with CDC published target signals</a:t>
+            </a:r>
+          </a:p>
+          <a:p>
+            <a:pPr marL="857250" lvl="1" indent="-457200"/>
+            <a:r>
+              <a:rPr lang="en-US" sz="2800" dirty="0"/>
+              <a:t>Query fractions and target signal curves fit into a </a:t>
+            </a:r>
+            <a:r>
+              <a:rPr lang="en-US" sz="2800" b="1" dirty="0"/>
+              <a:t>univariate linear regression model </a:t>
+            </a:r>
+          </a:p>
+          <a:p>
+            <a:pPr marL="857250" lvl="1" indent="-457200">
+              <a:buFont typeface="+mj-lt"/>
+              <a:buAutoNum type="arabicPeriod"/>
+            </a:pPr>
+            <a:endParaRPr lang="en-US" sz="2600" dirty="0"/>
+          </a:p>
+        </p:txBody>
+      </p:sp>
+    </p:spTree>
+    <p:extLst>
+      <p:ext uri="{BB962C8B-B14F-4D97-AF65-F5344CB8AC3E}">
+        <p14:creationId xmlns:p14="http://schemas.microsoft.com/office/powerpoint/2010/main" val="2541789560"/>
+      </p:ext>
+    </p:extLst>
+  </p:cSld>
+  <p:clrMapOvr>
+    <a:masterClrMapping/>
+  </p:clrMapOvr>
+</p:sld>
+</file>
+
+<file path=ppt/slides/slide6.xml><?xml version="1.0" encoding="utf-8"?>
+<p:sld xmlns:a="http://schemas.openxmlformats.org/drawingml/2006/main" xmlns:r="http://schemas.openxmlformats.org/officeDocument/2006/relationships" xmlns:p="http://schemas.openxmlformats.org/presentationml/2006/main">
+  <p:cSld>
+    <p:spTree>
+      <p:nvGrpSpPr>
+        <p:cNvPr id="1" name=""/>
+        <p:cNvGrpSpPr/>
+        <p:nvPr/>
+      </p:nvGrpSpPr>
+      <p:grpSpPr>
+        <a:xfrm>
+          <a:off x="0" y="0"/>
+          <a:ext cx="0" cy="0"/>
+          <a:chOff x="0" y="0"/>
+          <a:chExt cx="0" cy="0"/>
+        </a:xfrm>
+      </p:grpSpPr>
+      <p:sp>
+        <p:nvSpPr>
+          <p:cNvPr id="2" name="Title 1"/>
+          <p:cNvSpPr>
+            <a:spLocks noGrp="1"/>
+          </p:cNvSpPr>
+          <p:nvPr>
+            <p:ph type="title"/>
+          </p:nvPr>
+        </p:nvSpPr>
+        <p:spPr/>
+        <p:txBody>
+          <a:bodyPr/>
+          <a:lstStyle/>
+          <a:p>
+            <a:r>
+              <a:rPr lang="en-US" dirty="0" smtClean="0"/>
+              <a:t>Constraints</a:t>
+            </a:r>
+            <a:endParaRPr lang="en-US" dirty="0"/>
+          </a:p>
+        </p:txBody>
+      </p:sp>
+      <p:sp>
+        <p:nvSpPr>
+          <p:cNvPr id="3" name="Content Placeholder 2"/>
+          <p:cNvSpPr>
+            <a:spLocks noGrp="1"/>
+          </p:cNvSpPr>
+          <p:nvPr>
+            <p:ph idx="1"/>
+          </p:nvPr>
+        </p:nvSpPr>
+        <p:spPr/>
+        <p:txBody>
+          <a:bodyPr>
+            <a:normAutofit/>
+          </a:bodyPr>
+          <a:lstStyle/>
+          <a:p>
+            <a:r>
+              <a:rPr lang="en-US" sz="2400" dirty="0" smtClean="0"/>
+              <a:t>Country selection limited to “ground truth” data provided by a national or international public health agency</a:t>
+            </a:r>
+          </a:p>
+          <a:p>
+            <a:endParaRPr lang="en-US" sz="2400" dirty="0"/>
+          </a:p>
+        </p:txBody>
+      </p:sp>
+    </p:spTree>
+    <p:extLst>
+      <p:ext uri="{BB962C8B-B14F-4D97-AF65-F5344CB8AC3E}">
+        <p14:creationId xmlns:p14="http://schemas.microsoft.com/office/powerpoint/2010/main" val="2161083354"/>
+      </p:ext>
+    </p:extLst>
+  </p:cSld>
+  <p:clrMapOvr>
+    <a:masterClrMapping/>
+  </p:clrMapOvr>
+</p:sld>
+</file>
+
+<file path=ppt/slides/slide7.xml><?xml version="1.0" encoding="utf-8"?>
+<p:sld xmlns:a="http://schemas.openxmlformats.org/drawingml/2006/main" xmlns:r="http://schemas.openxmlformats.org/officeDocument/2006/relationships" xmlns:p="http://schemas.openxmlformats.org/presentationml/2006/main">
+  <p:cSld>
+    <p:spTree>
+      <p:nvGrpSpPr>
+        <p:cNvPr id="1" name=""/>
+        <p:cNvGrpSpPr/>
+        <p:nvPr/>
+      </p:nvGrpSpPr>
+      <p:grpSpPr>
+        <a:xfrm>
+          <a:off x="0" y="0"/>
+          <a:ext cx="0" cy="0"/>
+          <a:chOff x="0" y="0"/>
+          <a:chExt cx="0" cy="0"/>
+        </a:xfrm>
+      </p:grpSpPr>
+      <p:sp>
+        <p:nvSpPr>
+          <p:cNvPr id="2" name="Title 1"/>
+          <p:cNvSpPr>
+            <a:spLocks noGrp="1"/>
+          </p:cNvSpPr>
+          <p:nvPr>
+            <p:ph type="title"/>
+          </p:nvPr>
+        </p:nvSpPr>
+        <p:spPr/>
+        <p:txBody>
+          <a:bodyPr/>
+          <a:lstStyle/>
+          <a:p>
+            <a:r>
+              <a:rPr lang="en-US" dirty="0" smtClean="0"/>
+              <a:t>What went wrong?</a:t>
+            </a:r>
+            <a:endParaRPr lang="en-US" dirty="0"/>
+          </a:p>
+        </p:txBody>
+      </p:sp>
+      <p:sp>
+        <p:nvSpPr>
+          <p:cNvPr id="3" name="Content Placeholder 2"/>
+          <p:cNvSpPr>
+            <a:spLocks noGrp="1"/>
+          </p:cNvSpPr>
+          <p:nvPr>
+            <p:ph idx="1"/>
+          </p:nvPr>
+        </p:nvSpPr>
+        <p:spPr/>
+        <p:txBody>
+          <a:bodyPr>
+            <a:normAutofit/>
+          </a:bodyPr>
+          <a:lstStyle/>
+          <a:p>
+            <a:r>
+              <a:rPr lang="en-US" sz="2400" dirty="0"/>
+              <a:t>Users over-reacted to media reports</a:t>
+            </a:r>
+          </a:p>
+          <a:p>
+            <a:pPr lvl="1"/>
+            <a:r>
+              <a:rPr lang="en-US" sz="2200" dirty="0"/>
+              <a:t>Unexpected spike in query </a:t>
+            </a:r>
+            <a:r>
+              <a:rPr lang="en-US" sz="2200" dirty="0" smtClean="0"/>
+              <a:t>volume</a:t>
+            </a:r>
+            <a:endParaRPr lang="en-US" sz="2400" dirty="0" smtClean="0"/>
+          </a:p>
+          <a:p>
+            <a:endParaRPr lang="en-US" sz="2400" dirty="0"/>
+          </a:p>
+          <a:p>
+            <a:r>
+              <a:rPr lang="en-US" sz="2400" dirty="0" smtClean="0"/>
+              <a:t>Overestimated in January 2013</a:t>
+            </a:r>
+          </a:p>
+          <a:p>
+            <a:pPr lvl="1"/>
+            <a:r>
+              <a:rPr lang="en-US" sz="2200" dirty="0" smtClean="0"/>
+              <a:t>CDC incidence rate: 4.52%</a:t>
+            </a:r>
+          </a:p>
+          <a:p>
+            <a:pPr lvl="1"/>
+            <a:r>
+              <a:rPr lang="en-US" sz="2200" dirty="0" smtClean="0"/>
+              <a:t>Google Flu Trends predicted rate: 10.56%</a:t>
+            </a:r>
+            <a:br>
+              <a:rPr lang="en-US" sz="2200" dirty="0" smtClean="0"/>
+            </a:br>
+            <a:endParaRPr lang="en-US" sz="2200" dirty="0" smtClean="0"/>
+          </a:p>
+          <a:p>
+            <a:pPr lvl="1"/>
+            <a:endParaRPr lang="en-US" sz="2200" dirty="0"/>
+          </a:p>
+          <a:p>
+            <a:r>
+              <a:rPr lang="en-US" sz="2400" dirty="0" smtClean="0"/>
+              <a:t>Google shut down Google Flu Trends (quietly)</a:t>
+            </a:r>
+          </a:p>
+        </p:txBody>
+      </p:sp>
+    </p:spTree>
+    <p:extLst>
+      <p:ext uri="{BB962C8B-B14F-4D97-AF65-F5344CB8AC3E}">
+        <p14:creationId xmlns:p14="http://schemas.microsoft.com/office/powerpoint/2010/main" val="1040588093"/>
+      </p:ext>
+    </p:extLst>
+  </p:cSld>
+  <p:clrMapOvr>
+    <a:masterClrMapping/>
+  </p:clrMapOvr>
+</p:sld>
+</file>
+
+<file path=ppt/slides/slide8.xml><?xml version="1.0" encoding="utf-8"?>
+<p:sld xmlns:a="http://schemas.openxmlformats.org/drawingml/2006/main" xmlns:r="http://schemas.openxmlformats.org/officeDocument/2006/relationships" xmlns:p="http://schemas.openxmlformats.org/presentationml/2006/main">
+  <p:cSld>
+    <p:spTree>
+      <p:nvGrpSpPr>
+        <p:cNvPr id="1" name=""/>
+        <p:cNvGrpSpPr/>
+        <p:nvPr/>
+      </p:nvGrpSpPr>
+      <p:grpSpPr>
+        <a:xfrm>
+          <a:off x="0" y="0"/>
+          <a:ext cx="0" cy="0"/>
+          <a:chOff x="0" y="0"/>
+          <a:chExt cx="0" cy="0"/>
+        </a:xfrm>
+      </p:grpSpPr>
+      <p:sp>
+        <p:nvSpPr>
+          <p:cNvPr id="2" name="Title 1"/>
+          <p:cNvSpPr>
+            <a:spLocks noGrp="1"/>
+          </p:cNvSpPr>
+          <p:nvPr>
+            <p:ph type="title"/>
+          </p:nvPr>
+        </p:nvSpPr>
+        <p:spPr/>
+        <p:txBody>
+          <a:bodyPr/>
+          <a:lstStyle/>
+          <a:p>
+            <a:r>
+              <a:rPr lang="en-US" dirty="0" smtClean="0"/>
               <a:t>Proposed Solution</a:t>
             </a:r>
             <a:endParaRPr lang="en-US" dirty="0"/>
@@ -6528,7 +7519,39 @@
             </a:r>
             <a:r>
               <a:rPr lang="en-US" dirty="0" smtClean="0"/>
-              <a:t> model</a:t>
+              <a:t> </a:t>
+            </a:r>
+            <a:r>
+              <a:rPr lang="en-US" dirty="0" smtClean="0"/>
+              <a:t>model</a:t>
+            </a:r>
+          </a:p>
+          <a:p>
+            <a:pPr lvl="1"/>
+            <a:r>
+              <a:rPr lang="en-US" dirty="0" smtClean="0"/>
+              <a:t>Results were better than:</a:t>
+            </a:r>
+          </a:p>
+          <a:p>
+            <a:pPr lvl="2"/>
+            <a:r>
+              <a:rPr lang="en-US" dirty="0" smtClean="0"/>
+              <a:t>Current model</a:t>
+            </a:r>
+          </a:p>
+          <a:p>
+            <a:pPr lvl="2"/>
+            <a:r>
+              <a:rPr lang="en-US" dirty="0" smtClean="0"/>
+              <a:t>Lasso model</a:t>
+            </a:r>
+          </a:p>
+          <a:p>
+            <a:pPr lvl="2"/>
+            <a:r>
+              <a:rPr lang="en-US" dirty="0" smtClean="0"/>
+              <a:t>BSTS model</a:t>
             </a:r>
             <a:endParaRPr lang="en-US" dirty="0"/>
           </a:p>
@@ -6586,6 +7609,112 @@
     <p:extLst>
       <p:ext uri="{BB962C8B-B14F-4D97-AF65-F5344CB8AC3E}">
         <p14:creationId xmlns:p14="http://schemas.microsoft.com/office/powerpoint/2010/main" val="1947831433"/>
+      </p:ext>
+    </p:extLst>
+  </p:cSld>
+  <p:clrMapOvr>
+    <a:masterClrMapping/>
+  </p:clrMapOvr>
+</p:sld>
+</file>
+
+<file path=ppt/slides/slide9.xml><?xml version="1.0" encoding="utf-8"?>
+<p:sld xmlns:a="http://schemas.openxmlformats.org/drawingml/2006/main" xmlns:r="http://schemas.openxmlformats.org/officeDocument/2006/relationships" xmlns:p="http://schemas.openxmlformats.org/presentationml/2006/main">
+  <p:cSld>
+    <p:spTree>
+      <p:nvGrpSpPr>
+        <p:cNvPr id="1" name=""/>
+        <p:cNvGrpSpPr/>
+        <p:nvPr/>
+      </p:nvGrpSpPr>
+      <p:grpSpPr>
+        <a:xfrm>
+          <a:off x="0" y="0"/>
+          <a:ext cx="0" cy="0"/>
+          <a:chOff x="0" y="0"/>
+          <a:chExt cx="0" cy="0"/>
+        </a:xfrm>
+      </p:grpSpPr>
+      <p:sp>
+        <p:nvSpPr>
+          <p:cNvPr id="2" name="Title 1"/>
+          <p:cNvSpPr>
+            <a:spLocks noGrp="1"/>
+          </p:cNvSpPr>
+          <p:nvPr>
+            <p:ph type="title"/>
+          </p:nvPr>
+        </p:nvSpPr>
+        <p:spPr/>
+        <p:txBody>
+          <a:bodyPr/>
+          <a:lstStyle/>
+          <a:p>
+            <a:r>
+              <a:rPr lang="en-US" dirty="0" smtClean="0"/>
+              <a:t>Questions/Comments</a:t>
+            </a:r>
+            <a:endParaRPr lang="en-US" dirty="0"/>
+          </a:p>
+        </p:txBody>
+      </p:sp>
+      <p:sp>
+        <p:nvSpPr>
+          <p:cNvPr id="3" name="Content Placeholder 2"/>
+          <p:cNvSpPr>
+            <a:spLocks noGrp="1"/>
+          </p:cNvSpPr>
+          <p:nvPr>
+            <p:ph idx="1"/>
+          </p:nvPr>
+        </p:nvSpPr>
+        <p:spPr/>
+        <p:txBody>
+          <a:bodyPr>
+            <a:normAutofit/>
+          </a:bodyPr>
+          <a:lstStyle/>
+          <a:p>
+            <a:r>
+              <a:rPr lang="en-US" sz="2400" dirty="0" smtClean="0"/>
+              <a:t>Was Google Flu Trend’s model too simple?</a:t>
+            </a:r>
+          </a:p>
+          <a:p>
+            <a:pPr lvl="1"/>
+            <a:r>
+              <a:rPr lang="en-US" sz="2400" dirty="0" smtClean="0"/>
+              <a:t>CDC uses models to predict spread of disease </a:t>
+            </a:r>
+          </a:p>
+          <a:p>
+            <a:pPr lvl="2"/>
+            <a:r>
+              <a:rPr lang="en-US" sz="2400" dirty="0" smtClean="0"/>
+              <a:t>Should that model have been built into algorithm to determine whether</a:t>
+            </a:r>
+          </a:p>
+          <a:p>
+            <a:pPr lvl="2"/>
+            <a:endParaRPr lang="en-US" sz="2400" dirty="0"/>
+          </a:p>
+          <a:p>
+            <a:pPr lvl="2"/>
+            <a:endParaRPr lang="en-US" sz="2400" dirty="0" smtClean="0"/>
+          </a:p>
+          <a:p>
+            <a:r>
+              <a:rPr lang="en-US" sz="2800" smtClean="0"/>
+              <a:t>Additional comments…</a:t>
+            </a:r>
+            <a:endParaRPr lang="en-US" sz="2800" dirty="0"/>
+          </a:p>
+        </p:txBody>
+      </p:sp>
+    </p:spTree>
+    <p:extLst>
+      <p:ext uri="{BB962C8B-B14F-4D97-AF65-F5344CB8AC3E}">
+        <p14:creationId xmlns:p14="http://schemas.microsoft.com/office/powerpoint/2010/main" val="1484747386"/>
       </p:ext>
     </p:extLst>
   </p:cSld>
@@ -6855,8 +7984,293 @@
   <a:extraClrSchemeLst/>
   <a:extLst>
     <a:ext uri="{05A4C25C-085E-4340-85A3-A5531E510DB2}">
-      <thm15:themeFamily xmlns:thm15="http://schemas.microsoft.com/office/thememl/2012/main" name="Ion" id="{B8441ADB-2E43-4AF7-B97A-BD870242C6A8}" vid="{292E63A9-BB86-4E3D-B92A-7223C6510D2E}"/>
+      <thm15:themeFamily xmlns:thm15="http://schemas.microsoft.com/office/thememl/2012/main" xmlns="" name="Ion" id="{B8441ADB-2E43-4AF7-B97A-BD870242C6A8}" vid="{292E63A9-BB86-4E3D-B92A-7223C6510D2E}"/>
     </a:ext>
   </a:extLst>
 </a:theme>
+</file>
+
+<file path=ppt/theme/theme2.xml><?xml version="1.0" encoding="utf-8"?>
+<a:theme xmlns:a="http://schemas.openxmlformats.org/drawingml/2006/main" name="Office Theme">
+  <a:themeElements>
+    <a:clrScheme name="Office">
+      <a:dk1>
+        <a:sysClr val="windowText" lastClr="000000"/>
+      </a:dk1>
+      <a:lt1>
+        <a:sysClr val="window" lastClr="FFFFFF"/>
+      </a:lt1>
+      <a:dk2>
+        <a:srgbClr val="1F497D"/>
+      </a:dk2>
+      <a:lt2>
+        <a:srgbClr val="EEECE1"/>
+      </a:lt2>
+      <a:accent1>
+        <a:srgbClr val="4F81BD"/>
+      </a:accent1>
+      <a:accent2>
+        <a:srgbClr val="C0504D"/>
+      </a:accent2>
+      <a:accent3>
+        <a:srgbClr val="9BBB59"/>
+      </a:accent3>
+      <a:accent4>
+        <a:srgbClr val="8064A2"/>
+      </a:accent4>
+      <a:accent5>
+        <a:srgbClr val="4BACC6"/>
+      </a:accent5>
+      <a:accent6>
+        <a:srgbClr val="F79646"/>
+      </a:accent6>
+      <a:hlink>
+        <a:srgbClr val="0000FF"/>
+      </a:hlink>
+      <a:folHlink>
+        <a:srgbClr val="800080"/>
+      </a:folHlink>
+    </a:clrScheme>
+    <a:fontScheme name="Office">
+      <a:majorFont>
+        <a:latin typeface="Calibri"/>
+        <a:ea typeface=""/>
+        <a:cs typeface=""/>
+        <a:font script="Jpan" typeface="ＭＳ Ｐゴシック"/>
+        <a:font script="Hang" typeface="맑은 고딕"/>
+        <a:font script="Hans" typeface="宋体"/>
+        <a:font script="Hant" typeface="新細明體"/>
+        <a:font script="Arab" typeface="Times New Roman"/>
+        <a:font script="Hebr" typeface="Times New Roman"/>
+        <a:font script="Thai" typeface="Angsana New"/>
+        <a:font script="Ethi" typeface="Nyala"/>
+        <a:font script="Beng" typeface="Vrinda"/>
+        <a:font script="Gujr" typeface="Shruti"/>
+        <a:font script="Khmr" typeface="MoolBoran"/>
+        <a:font script="Knda" typeface="Tunga"/>
+        <a:font script="Guru" typeface="Raavi"/>
+        <a:font script="Cans" typeface="Euphemia"/>
+        <a:font script="Cher" typeface="Plantagenet Cherokee"/>
+        <a:font script="Yiii" typeface="Microsoft Yi Baiti"/>
+        <a:font script="Tibt" typeface="Microsoft Himalaya"/>
+        <a:font script="Thaa" typeface="MV Boli"/>
+        <a:font script="Deva" typeface="Mangal"/>
+        <a:font script="Telu" typeface="Gautami"/>
+        <a:font script="Taml" typeface="Latha"/>
+        <a:font script="Syrc" typeface="Estrangelo Edessa"/>
+        <a:font script="Orya" typeface="Kalinga"/>
+        <a:font script="Mlym" typeface="Kartika"/>
+        <a:font script="Laoo" typeface="DokChampa"/>
+        <a:font script="Sinh" typeface="Iskoola Pota"/>
+        <a:font script="Mong" typeface="Mongolian Baiti"/>
+        <a:font script="Viet" typeface="Times New Roman"/>
+        <a:font script="Uigh" typeface="Microsoft Uighur"/>
+        <a:font script="Geor" typeface="Sylfaen"/>
+      </a:majorFont>
+      <a:minorFont>
+        <a:latin typeface="Calibri"/>
+        <a:ea typeface=""/>
+        <a:cs typeface=""/>
+        <a:font script="Jpan" typeface="ＭＳ Ｐゴシック"/>
+        <a:font script="Hang" typeface="맑은 고딕"/>
+        <a:font script="Hans" typeface="宋体"/>
+        <a:font script="Hant" typeface="新細明體"/>
+        <a:font script="Arab" typeface="Arial"/>
+        <a:font script="Hebr" typeface="Arial"/>
+        <a:font script="Thai" typeface="Cordia New"/>
+        <a:font script="Ethi" typeface="Nyala"/>
+        <a:font script="Beng" typeface="Vrinda"/>
+        <a:font script="Gujr" typeface="Shruti"/>
+        <a:font script="Khmr" typeface="DaunPenh"/>
+        <a:font script="Knda" typeface="Tunga"/>
+        <a:font script="Guru" typeface="Raavi"/>
+        <a:font script="Cans" typeface="Euphemia"/>
+        <a:font script="Cher" typeface="Plantagenet Cherokee"/>
+        <a:font script="Yiii" typeface="Microsoft Yi Baiti"/>
+        <a:font script="Tibt" typeface="Microsoft Himalaya"/>
+        <a:font script="Thaa" typeface="MV Boli"/>
+        <a:font script="Deva" typeface="Mangal"/>
+        <a:font script="Telu" typeface="Gautami"/>
+        <a:font script="Taml" typeface="Latha"/>
+        <a:font script="Syrc" typeface="Estrangelo Edessa"/>
+        <a:font script="Orya" typeface="Kalinga"/>
+        <a:font script="Mlym" typeface="Kartika"/>
+        <a:font script="Laoo" typeface="DokChampa"/>
+        <a:font script="Sinh" typeface="Iskoola Pota"/>
+        <a:font script="Mong" typeface="Mongolian Baiti"/>
+        <a:font script="Viet" typeface="Arial"/>
+        <a:font script="Uigh" typeface="Microsoft Uighur"/>
+        <a:font script="Geor" typeface="Sylfaen"/>
+      </a:minorFont>
+    </a:fontScheme>
+    <a:fmtScheme name="Office">
+      <a:fillStyleLst>
+        <a:solidFill>
+          <a:schemeClr val="phClr"/>
+        </a:solidFill>
+        <a:gradFill rotWithShape="1">
+          <a:gsLst>
+            <a:gs pos="0">
+              <a:schemeClr val="phClr">
+                <a:tint val="50000"/>
+                <a:satMod val="300000"/>
+              </a:schemeClr>
+            </a:gs>
+            <a:gs pos="35000">
+              <a:schemeClr val="phClr">
+                <a:tint val="37000"/>
+                <a:satMod val="300000"/>
+              </a:schemeClr>
+            </a:gs>
+            <a:gs pos="100000">
+              <a:schemeClr val="phClr">
+                <a:tint val="15000"/>
+                <a:satMod val="350000"/>
+              </a:schemeClr>
+            </a:gs>
+          </a:gsLst>
+          <a:lin ang="16200000" scaled="1"/>
+        </a:gradFill>
+        <a:gradFill rotWithShape="1">
+          <a:gsLst>
+            <a:gs pos="0">
+              <a:schemeClr val="phClr">
+                <a:shade val="51000"/>
+                <a:satMod val="130000"/>
+              </a:schemeClr>
+            </a:gs>
+            <a:gs pos="80000">
+              <a:schemeClr val="phClr">
+                <a:shade val="93000"/>
+                <a:satMod val="130000"/>
+              </a:schemeClr>
+            </a:gs>
+            <a:gs pos="100000">
+              <a:schemeClr val="phClr">
+                <a:shade val="94000"/>
+                <a:satMod val="135000"/>
+              </a:schemeClr>
+            </a:gs>
+          </a:gsLst>
+          <a:lin ang="16200000" scaled="0"/>
+        </a:gradFill>
+      </a:fillStyleLst>
+      <a:lnStyleLst>
+        <a:ln w="9525" cap="flat" cmpd="sng" algn="ctr">
+          <a:solidFill>
+            <a:schemeClr val="phClr">
+              <a:shade val="95000"/>
+              <a:satMod val="105000"/>
+            </a:schemeClr>
+          </a:solidFill>
+          <a:prstDash val="solid"/>
+        </a:ln>
+        <a:ln w="25400" cap="flat" cmpd="sng" algn="ctr">
+          <a:solidFill>
+            <a:schemeClr val="phClr"/>
+          </a:solidFill>
+          <a:prstDash val="solid"/>
+        </a:ln>
+        <a:ln w="38100" cap="flat" cmpd="sng" algn="ctr">
+          <a:solidFill>
+            <a:schemeClr val="phClr"/>
+          </a:solidFill>
+          <a:prstDash val="solid"/>
+        </a:ln>
+      </a:lnStyleLst>
+      <a:effectStyleLst>
+        <a:effectStyle>
+          <a:effectLst>
+            <a:outerShdw blurRad="40000" dist="20000" dir="5400000" rotWithShape="0">
+              <a:srgbClr val="000000">
+                <a:alpha val="38000"/>
+              </a:srgbClr>
+            </a:outerShdw>
+          </a:effectLst>
+        </a:effectStyle>
+        <a:effectStyle>
+          <a:effectLst>
+            <a:outerShdw blurRad="40000" dist="23000" dir="5400000" rotWithShape="0">
+              <a:srgbClr val="000000">
+                <a:alpha val="35000"/>
+              </a:srgbClr>
+            </a:outerShdw>
+          </a:effectLst>
+        </a:effectStyle>
+        <a:effectStyle>
+          <a:effectLst>
+            <a:outerShdw blurRad="40000" dist="23000" dir="5400000" rotWithShape="0">
+              <a:srgbClr val="000000">
+                <a:alpha val="35000"/>
+              </a:srgbClr>
+            </a:outerShdw>
+          </a:effectLst>
+          <a:scene3d>
+            <a:camera prst="orthographicFront">
+              <a:rot lat="0" lon="0" rev="0"/>
+            </a:camera>
+            <a:lightRig rig="threePt" dir="t">
+              <a:rot lat="0" lon="0" rev="1200000"/>
+            </a:lightRig>
+          </a:scene3d>
+          <a:sp3d>
+            <a:bevelT w="63500" h="25400"/>
+          </a:sp3d>
+        </a:effectStyle>
+      </a:effectStyleLst>
+      <a:bgFillStyleLst>
+        <a:solidFill>
+          <a:schemeClr val="phClr"/>
+        </a:solidFill>
+        <a:gradFill rotWithShape="1">
+          <a:gsLst>
+            <a:gs pos="0">
+              <a:schemeClr val="phClr">
+                <a:tint val="40000"/>
+                <a:satMod val="350000"/>
+              </a:schemeClr>
+            </a:gs>
+            <a:gs pos="40000">
+              <a:schemeClr val="phClr">
+                <a:tint val="45000"/>
+                <a:shade val="99000"/>
+                <a:satMod val="350000"/>
+              </a:schemeClr>
+            </a:gs>
+            <a:gs pos="100000">
+              <a:schemeClr val="phClr">
+                <a:shade val="20000"/>
+                <a:satMod val="255000"/>
+              </a:schemeClr>
+            </a:gs>
+          </a:gsLst>
+          <a:path path="circle">
+            <a:fillToRect l="50000" t="-80000" r="50000" b="180000"/>
+          </a:path>
+        </a:gradFill>
+        <a:gradFill rotWithShape="1">
+          <a:gsLst>
+            <a:gs pos="0">
+              <a:schemeClr val="phClr">
+                <a:tint val="80000"/>
+                <a:satMod val="300000"/>
+              </a:schemeClr>
+            </a:gs>
+            <a:gs pos="100000">
+              <a:schemeClr val="phClr">
+                <a:shade val="30000"/>
+                <a:satMod val="200000"/>
+              </a:schemeClr>
+            </a:gs>
+          </a:gsLst>
+          <a:path path="circle">
+            <a:fillToRect l="50000" t="50000" r="50000" b="50000"/>
+          </a:path>
+        </a:gradFill>
+      </a:bgFillStyleLst>
+    </a:fmtScheme>
+  </a:themeElements>
+  <a:objectDefaults/>
+  <a:extraClrSchemeLst/>
+</a:theme>
 </file>
--- a/Article/Google Disease Trends.pptx
+++ b/Article/Google Disease Trends.pptx
@@ -6836,11 +6836,7 @@
             <a:pPr lvl="1"/>
             <a:r>
               <a:rPr lang="en-US" sz="2400" dirty="0" smtClean="0"/>
-              <a:t>To use search keywords to produce a daily estimate of the occurrence of flu like illness two weeks prior to CDC survey </a:t>
-            </a:r>
-            <a:r>
-              <a:rPr lang="en-US" sz="2400" dirty="0" smtClean="0"/>
-              <a:t>data</a:t>
+              <a:t>To use search keywords to produce a daily estimate of the occurrence of flu like illness two weeks prior to CDC survey data</a:t>
             </a:r>
           </a:p>
           <a:p>
@@ -6849,7 +6845,6 @@
               <a:rPr lang="en-US" sz="2200" dirty="0" smtClean="0"/>
               <a:t>Keywords such as “flu symptoms” that have a high historical correlation with doctor visits for flu like illnesses</a:t>
             </a:r>
-            <a:endParaRPr lang="en-US" sz="2200" dirty="0" smtClean="0"/>
           </a:p>
           <a:p>
             <a:pPr marL="457200" lvl="1" indent="0">
@@ -6917,7 +6912,6 @@
               <a:rPr lang="en-US" sz="2400" dirty="0" smtClean="0"/>
               <a:t>How to stock/distribute vaccines, etc.</a:t>
             </a:r>
-            <a:endParaRPr lang="en-US" sz="2400" dirty="0" smtClean="0"/>
           </a:p>
         </p:txBody>
       </p:sp>
@@ -7519,11 +7513,7 @@
             </a:r>
             <a:r>
               <a:rPr lang="en-US" dirty="0" smtClean="0"/>
-              <a:t> </a:t>
-            </a:r>
-            <a:r>
-              <a:rPr lang="en-US" dirty="0" smtClean="0"/>
-              <a:t>model</a:t>
+              <a:t> model</a:t>
             </a:r>
           </a:p>
           <a:p>
@@ -7984,7 +7974,7 @@
   <a:extraClrSchemeLst/>
   <a:extLst>
     <a:ext uri="{05A4C25C-085E-4340-85A3-A5531E510DB2}">
-      <thm15:themeFamily xmlns:thm15="http://schemas.microsoft.com/office/thememl/2012/main" xmlns="" name="Ion" id="{B8441ADB-2E43-4AF7-B97A-BD870242C6A8}" vid="{292E63A9-BB86-4E3D-B92A-7223C6510D2E}"/>
+      <thm15:themeFamily xmlns="" xmlns:thm15="http://schemas.microsoft.com/office/thememl/2012/main" name="Ion" id="{B8441ADB-2E43-4AF7-B97A-BD870242C6A8}" vid="{292E63A9-BB86-4E3D-B92A-7223C6510D2E}"/>
     </a:ext>
   </a:extLst>
 </a:theme>
